--- a/ex5/ex5.pptx
+++ b/ex5/ex5.pptx
@@ -270,17 +270,17 @@
           <a:effectLst/>
           <a:extLst>
             <a:ext uri="{FAA26D3D-D897-4be2-8F04-BA451C77F1D7}">
-              <ma14:placeholderFlag xmlns="" xmlns:ma14="http://schemas.microsoft.com/office/mac/drawingml/2011/main" val="1"/>
+              <ma14:placeholderFlag xmlns:ma14="http://schemas.microsoft.com/office/mac/drawingml/2011/main" xmlns="" val="1"/>
             </a:ext>
             <a:ext uri="{909E8E84-426E-40dd-AFC4-6F175D3DCCD1}">
-              <a14:hiddenFill xmlns:a14="http://schemas.microsoft.com/office/drawing/2010/main" xmlns="">
+              <a14:hiddenFill xmlns="" xmlns:a14="http://schemas.microsoft.com/office/drawing/2010/main">
                 <a:solidFill>
                   <a:schemeClr val="accent1"/>
                 </a:solidFill>
               </a14:hiddenFill>
             </a:ext>
             <a:ext uri="{91240B29-F687-4f45-9708-019B960494DF}">
-              <a14:hiddenLine xmlns:a14="http://schemas.microsoft.com/office/drawing/2010/main" xmlns="" w="9525">
+              <a14:hiddenLine xmlns="" xmlns:a14="http://schemas.microsoft.com/office/drawing/2010/main" w="9525">
                 <a:solidFill>
                   <a:schemeClr val="tx1"/>
                 </a:solidFill>
@@ -290,7 +290,7 @@
               </a14:hiddenLine>
             </a:ext>
             <a:ext uri="{AF507438-7753-43e0-B8FC-AC1667EBCBE1}">
-              <a14:hiddenEffects xmlns:a14="http://schemas.microsoft.com/office/drawing/2010/main" xmlns="">
+              <a14:hiddenEffects xmlns="" xmlns:a14="http://schemas.microsoft.com/office/drawing/2010/main">
                 <a:effectLst>
                   <a:outerShdw blurRad="63500" dist="38099" dir="2700000" algn="ctr" rotWithShape="0">
                     <a:schemeClr val="bg2">
@@ -343,17 +343,17 @@
           <a:effectLst/>
           <a:extLst>
             <a:ext uri="{FAA26D3D-D897-4be2-8F04-BA451C77F1D7}">
-              <ma14:placeholderFlag xmlns="" xmlns:ma14="http://schemas.microsoft.com/office/mac/drawingml/2011/main" val="1"/>
+              <ma14:placeholderFlag xmlns:ma14="http://schemas.microsoft.com/office/mac/drawingml/2011/main" xmlns="" val="1"/>
             </a:ext>
             <a:ext uri="{909E8E84-426E-40dd-AFC4-6F175D3DCCD1}">
-              <a14:hiddenFill xmlns:a14="http://schemas.microsoft.com/office/drawing/2010/main" xmlns="">
+              <a14:hiddenFill xmlns="" xmlns:a14="http://schemas.microsoft.com/office/drawing/2010/main">
                 <a:solidFill>
                   <a:schemeClr val="accent1"/>
                 </a:solidFill>
               </a14:hiddenFill>
             </a:ext>
             <a:ext uri="{91240B29-F687-4f45-9708-019B960494DF}">
-              <a14:hiddenLine xmlns:a14="http://schemas.microsoft.com/office/drawing/2010/main" xmlns="" w="9525">
+              <a14:hiddenLine xmlns="" xmlns:a14="http://schemas.microsoft.com/office/drawing/2010/main" w="9525">
                 <a:solidFill>
                   <a:schemeClr val="tx1"/>
                 </a:solidFill>
@@ -363,7 +363,7 @@
               </a14:hiddenLine>
             </a:ext>
             <a:ext uri="{AF507438-7753-43e0-B8FC-AC1667EBCBE1}">
-              <a14:hiddenEffects xmlns:a14="http://schemas.microsoft.com/office/drawing/2010/main" xmlns="">
+              <a14:hiddenEffects xmlns="" xmlns:a14="http://schemas.microsoft.com/office/drawing/2010/main">
                 <a:effectLst>
                   <a:outerShdw blurRad="63500" dist="38099" dir="2700000" algn="ctr" rotWithShape="0">
                     <a:schemeClr val="bg2">
@@ -421,7 +421,7 @@
           <a:effectLst/>
           <a:extLst>
             <a:ext uri="{AF507438-7753-43e0-B8FC-AC1667EBCBE1}">
-              <a14:hiddenEffects xmlns:a14="http://schemas.microsoft.com/office/drawing/2010/main" xmlns="">
+              <a14:hiddenEffects xmlns="" xmlns:a14="http://schemas.microsoft.com/office/drawing/2010/main">
                 <a:effectLst>
                   <a:outerShdw blurRad="63500" dist="38099" dir="2700000" algn="ctr" rotWithShape="0">
                     <a:srgbClr val="000000">
@@ -432,7 +432,7 @@
               </a14:hiddenEffects>
             </a:ext>
             <a:ext uri="{53640926-AAD7-44d8-BBD7-CCE9431645EC}">
-              <a14:shadowObscured xmlns:a14="http://schemas.microsoft.com/office/drawing/2010/main" xmlns="" val="1"/>
+              <a14:shadowObscured xmlns="" xmlns:a14="http://schemas.microsoft.com/office/drawing/2010/main" val="1"/>
             </a:ext>
           </a:extLst>
         </p:spPr>
@@ -462,17 +462,17 @@
           <a:effectLst/>
           <a:extLst>
             <a:ext uri="{FAA26D3D-D897-4be2-8F04-BA451C77F1D7}">
-              <ma14:placeholderFlag xmlns="" xmlns:ma14="http://schemas.microsoft.com/office/mac/drawingml/2011/main" val="1"/>
+              <ma14:placeholderFlag xmlns:ma14="http://schemas.microsoft.com/office/mac/drawingml/2011/main" xmlns="" val="1"/>
             </a:ext>
             <a:ext uri="{909E8E84-426E-40dd-AFC4-6F175D3DCCD1}">
-              <a14:hiddenFill xmlns:a14="http://schemas.microsoft.com/office/drawing/2010/main" xmlns="">
+              <a14:hiddenFill xmlns="" xmlns:a14="http://schemas.microsoft.com/office/drawing/2010/main">
                 <a:solidFill>
                   <a:schemeClr val="accent1"/>
                 </a:solidFill>
               </a14:hiddenFill>
             </a:ext>
             <a:ext uri="{91240B29-F687-4f45-9708-019B960494DF}">
-              <a14:hiddenLine xmlns:a14="http://schemas.microsoft.com/office/drawing/2010/main" xmlns="" w="9525">
+              <a14:hiddenLine xmlns="" xmlns:a14="http://schemas.microsoft.com/office/drawing/2010/main" w="9525">
                 <a:solidFill>
                   <a:schemeClr val="tx1"/>
                 </a:solidFill>
@@ -482,7 +482,7 @@
               </a14:hiddenLine>
             </a:ext>
             <a:ext uri="{AF507438-7753-43e0-B8FC-AC1667EBCBE1}">
-              <a14:hiddenEffects xmlns:a14="http://schemas.microsoft.com/office/drawing/2010/main" xmlns="">
+              <a14:hiddenEffects xmlns="" xmlns:a14="http://schemas.microsoft.com/office/drawing/2010/main">
                 <a:effectLst>
                   <a:outerShdw blurRad="63500" dist="38099" dir="2700000" algn="ctr" rotWithShape="0">
                     <a:schemeClr val="bg2">
@@ -563,17 +563,17 @@
           <a:effectLst/>
           <a:extLst>
             <a:ext uri="{FAA26D3D-D897-4be2-8F04-BA451C77F1D7}">
-              <ma14:placeholderFlag xmlns="" xmlns:ma14="http://schemas.microsoft.com/office/mac/drawingml/2011/main" val="1"/>
+              <ma14:placeholderFlag xmlns:ma14="http://schemas.microsoft.com/office/mac/drawingml/2011/main" xmlns="" val="1"/>
             </a:ext>
             <a:ext uri="{909E8E84-426E-40dd-AFC4-6F175D3DCCD1}">
-              <a14:hiddenFill xmlns:a14="http://schemas.microsoft.com/office/drawing/2010/main" xmlns="">
+              <a14:hiddenFill xmlns="" xmlns:a14="http://schemas.microsoft.com/office/drawing/2010/main">
                 <a:solidFill>
                   <a:schemeClr val="accent1"/>
                 </a:solidFill>
               </a14:hiddenFill>
             </a:ext>
             <a:ext uri="{91240B29-F687-4f45-9708-019B960494DF}">
-              <a14:hiddenLine xmlns:a14="http://schemas.microsoft.com/office/drawing/2010/main" xmlns="" w="9525">
+              <a14:hiddenLine xmlns="" xmlns:a14="http://schemas.microsoft.com/office/drawing/2010/main" w="9525">
                 <a:solidFill>
                   <a:schemeClr val="tx1"/>
                 </a:solidFill>
@@ -583,7 +583,7 @@
               </a14:hiddenLine>
             </a:ext>
             <a:ext uri="{AF507438-7753-43e0-B8FC-AC1667EBCBE1}">
-              <a14:hiddenEffects xmlns:a14="http://schemas.microsoft.com/office/drawing/2010/main" xmlns="">
+              <a14:hiddenEffects xmlns="" xmlns:a14="http://schemas.microsoft.com/office/drawing/2010/main">
                 <a:effectLst>
                   <a:outerShdw blurRad="63500" dist="38099" dir="2700000" algn="ctr" rotWithShape="0">
                     <a:schemeClr val="bg2">
@@ -636,17 +636,17 @@
           <a:effectLst/>
           <a:extLst>
             <a:ext uri="{FAA26D3D-D897-4be2-8F04-BA451C77F1D7}">
-              <ma14:placeholderFlag xmlns="" xmlns:ma14="http://schemas.microsoft.com/office/mac/drawingml/2011/main" val="1"/>
+              <ma14:placeholderFlag xmlns:ma14="http://schemas.microsoft.com/office/mac/drawingml/2011/main" xmlns="" val="1"/>
             </a:ext>
             <a:ext uri="{909E8E84-426E-40dd-AFC4-6F175D3DCCD1}">
-              <a14:hiddenFill xmlns:a14="http://schemas.microsoft.com/office/drawing/2010/main" xmlns="">
+              <a14:hiddenFill xmlns="" xmlns:a14="http://schemas.microsoft.com/office/drawing/2010/main">
                 <a:solidFill>
                   <a:schemeClr val="accent1"/>
                 </a:solidFill>
               </a14:hiddenFill>
             </a:ext>
             <a:ext uri="{91240B29-F687-4f45-9708-019B960494DF}">
-              <a14:hiddenLine xmlns:a14="http://schemas.microsoft.com/office/drawing/2010/main" xmlns="" w="9525">
+              <a14:hiddenLine xmlns="" xmlns:a14="http://schemas.microsoft.com/office/drawing/2010/main" w="9525">
                 <a:solidFill>
                   <a:schemeClr val="tx1"/>
                 </a:solidFill>
@@ -656,7 +656,7 @@
               </a14:hiddenLine>
             </a:ext>
             <a:ext uri="{AF507438-7753-43e0-B8FC-AC1667EBCBE1}">
-              <a14:hiddenEffects xmlns:a14="http://schemas.microsoft.com/office/drawing/2010/main" xmlns="">
+              <a14:hiddenEffects xmlns="" xmlns:a14="http://schemas.microsoft.com/office/drawing/2010/main">
                 <a:effectLst>
                   <a:outerShdw blurRad="63500" dist="38099" dir="2700000" algn="ctr" rotWithShape="0">
                     <a:schemeClr val="bg2">
@@ -921,10 +921,10 @@
           <a:bodyPr/>
           <a:lstStyle/>
           <a:p>
-            <a:fld id="{46F75599-1977-4CC1-A4EA-FE1BCB67621A}" type="datetime1">
-              <a:rPr lang="en-US" smtClean="0"/>
-              <a:t>5/26/2020</a:t>
-            </a:fld>
+            <a:r>
+              <a:rPr lang="en-US"/>
+              <a:t>17.6.2020</a:t>
+            </a:r>
             <a:endParaRPr lang="en-US" dirty="0"/>
           </a:p>
         </p:txBody>
@@ -1048,7 +1048,7 @@
           <a:effectLst/>
           <a:extLst>
             <a:ext uri="{AF507438-7753-43e0-B8FC-AC1667EBCBE1}">
-              <a14:hiddenEffects xmlns:a14="http://schemas.microsoft.com/office/drawing/2010/main" xmlns="">
+              <a14:hiddenEffects xmlns="" xmlns:a14="http://schemas.microsoft.com/office/drawing/2010/main">
                 <a:effectLst>
                   <a:outerShdw blurRad="63500" dist="35921" dir="2700000" algn="ctr" rotWithShape="0">
                     <a:schemeClr val="bg2"/>
@@ -1249,10 +1249,10 @@
           <a:bodyPr/>
           <a:lstStyle/>
           <a:p>
-            <a:fld id="{ED35B5CF-D734-4811-B6AA-26C203E6B78B}" type="datetime1">
-              <a:rPr lang="en-US" smtClean="0"/>
-              <a:t>5/26/2020</a:t>
-            </a:fld>
+            <a:r>
+              <a:rPr lang="en-US"/>
+              <a:t>17.6.2020</a:t>
+            </a:r>
             <a:endParaRPr lang="en-US" dirty="0"/>
           </a:p>
         </p:txBody>
@@ -1490,10 +1490,10 @@
           <a:bodyPr/>
           <a:lstStyle/>
           <a:p>
-            <a:fld id="{75913303-AC70-4732-8742-329B3AF575DD}" type="datetime1">
-              <a:rPr lang="en-US" smtClean="0"/>
-              <a:t>5/26/2020</a:t>
-            </a:fld>
+            <a:r>
+              <a:rPr lang="en-US"/>
+              <a:t>17.6.2020</a:t>
+            </a:r>
             <a:endParaRPr lang="en-US" dirty="0"/>
           </a:p>
         </p:txBody>
@@ -1617,10 +1617,10 @@
           <a:bodyPr/>
           <a:lstStyle/>
           <a:p>
-            <a:fld id="{45B2629D-C999-4274-A5AB-4395B5C32AB4}" type="datetime1">
-              <a:rPr lang="en-US" smtClean="0"/>
-              <a:t>5/26/2020</a:t>
-            </a:fld>
+            <a:r>
+              <a:rPr lang="en-US"/>
+              <a:t>17.6.2020</a:t>
+            </a:r>
             <a:endParaRPr lang="en-US" dirty="0"/>
           </a:p>
         </p:txBody>
@@ -1805,10 +1805,10 @@
           <a:bodyPr/>
           <a:lstStyle/>
           <a:p>
-            <a:fld id="{508924F9-171A-426E-A440-4B1F8D88B8AA}" type="datetime1">
-              <a:rPr lang="en-US" smtClean="0"/>
-              <a:t>5/26/2020</a:t>
-            </a:fld>
+            <a:r>
+              <a:rPr lang="en-US"/>
+              <a:t>17.6.2020</a:t>
+            </a:r>
             <a:endParaRPr lang="en-US" dirty="0"/>
           </a:p>
         </p:txBody>
@@ -1934,7 +1934,7 @@
           <a:noFill/>
           <a:extLst>
             <a:ext uri="{909E8E84-426E-40dd-AFC4-6F175D3DCCD1}">
-              <a14:hiddenFill xmlns:a14="http://schemas.microsoft.com/office/drawing/2010/main" xmlns="">
+              <a14:hiddenFill xmlns="" xmlns:a14="http://schemas.microsoft.com/office/drawing/2010/main">
                 <a:solidFill>
                   <a:srgbClr val="FFFFFF"/>
                 </a:solidFill>
@@ -1968,17 +1968,17 @@
           <a:effectLst/>
           <a:extLst>
             <a:ext uri="{FAA26D3D-D897-4be2-8F04-BA451C77F1D7}">
-              <ma14:placeholderFlag xmlns="" xmlns:ma14="http://schemas.microsoft.com/office/mac/drawingml/2011/main" val="1"/>
+              <ma14:placeholderFlag xmlns:ma14="http://schemas.microsoft.com/office/mac/drawingml/2011/main" xmlns="" val="1"/>
             </a:ext>
             <a:ext uri="{909E8E84-426E-40dd-AFC4-6F175D3DCCD1}">
-              <a14:hiddenFill xmlns:a14="http://schemas.microsoft.com/office/drawing/2010/main" xmlns="">
+              <a14:hiddenFill xmlns="" xmlns:a14="http://schemas.microsoft.com/office/drawing/2010/main">
                 <a:solidFill>
                   <a:schemeClr val="accent1"/>
                 </a:solidFill>
               </a14:hiddenFill>
             </a:ext>
             <a:ext uri="{91240B29-F687-4f45-9708-019B960494DF}">
-              <a14:hiddenLine xmlns:a14="http://schemas.microsoft.com/office/drawing/2010/main" xmlns="" w="9525">
+              <a14:hiddenLine xmlns="" xmlns:a14="http://schemas.microsoft.com/office/drawing/2010/main" w="9525">
                 <a:solidFill>
                   <a:schemeClr val="tx1"/>
                 </a:solidFill>
@@ -1988,7 +1988,7 @@
               </a14:hiddenLine>
             </a:ext>
             <a:ext uri="{AF507438-7753-43e0-B8FC-AC1667EBCBE1}">
-              <a14:hiddenEffects xmlns:a14="http://schemas.microsoft.com/office/drawing/2010/main" xmlns="">
+              <a14:hiddenEffects xmlns="" xmlns:a14="http://schemas.microsoft.com/office/drawing/2010/main">
                 <a:effectLst>
                   <a:outerShdw blurRad="63500" dist="38099" dir="2700000" algn="ctr" rotWithShape="0">
                     <a:schemeClr val="bg2">
@@ -2050,17 +2050,17 @@
           <a:effectLst/>
           <a:extLst>
             <a:ext uri="{FAA26D3D-D897-4be2-8F04-BA451C77F1D7}">
-              <ma14:placeholderFlag xmlns="" xmlns:ma14="http://schemas.microsoft.com/office/mac/drawingml/2011/main" val="1"/>
+              <ma14:placeholderFlag xmlns:ma14="http://schemas.microsoft.com/office/mac/drawingml/2011/main" xmlns="" val="1"/>
             </a:ext>
             <a:ext uri="{909E8E84-426E-40dd-AFC4-6F175D3DCCD1}">
-              <a14:hiddenFill xmlns:a14="http://schemas.microsoft.com/office/drawing/2010/main" xmlns="">
+              <a14:hiddenFill xmlns="" xmlns:a14="http://schemas.microsoft.com/office/drawing/2010/main">
                 <a:solidFill>
                   <a:schemeClr val="accent1"/>
                 </a:solidFill>
               </a14:hiddenFill>
             </a:ext>
             <a:ext uri="{91240B29-F687-4f45-9708-019B960494DF}">
-              <a14:hiddenLine xmlns:a14="http://schemas.microsoft.com/office/drawing/2010/main" xmlns="" w="9525">
+              <a14:hiddenLine xmlns="" xmlns:a14="http://schemas.microsoft.com/office/drawing/2010/main" w="9525">
                 <a:solidFill>
                   <a:schemeClr val="tx1"/>
                 </a:solidFill>
@@ -2070,7 +2070,7 @@
               </a14:hiddenLine>
             </a:ext>
             <a:ext uri="{AF507438-7753-43e0-B8FC-AC1667EBCBE1}">
-              <a14:hiddenEffects xmlns:a14="http://schemas.microsoft.com/office/drawing/2010/main" xmlns="">
+              <a14:hiddenEffects xmlns="" xmlns:a14="http://schemas.microsoft.com/office/drawing/2010/main">
                 <a:effectLst>
                   <a:outerShdw blurRad="63500" dist="38099" dir="2700000" algn="ctr" rotWithShape="0">
                     <a:schemeClr val="bg2">
@@ -2196,17 +2196,17 @@
           <a:effectLst/>
           <a:extLst>
             <a:ext uri="{FAA26D3D-D897-4be2-8F04-BA451C77F1D7}">
-              <ma14:placeholderFlag xmlns="" xmlns:ma14="http://schemas.microsoft.com/office/mac/drawingml/2011/main" val="1"/>
+              <ma14:placeholderFlag xmlns:ma14="http://schemas.microsoft.com/office/mac/drawingml/2011/main" xmlns="" val="1"/>
             </a:ext>
             <a:ext uri="{909E8E84-426E-40dd-AFC4-6F175D3DCCD1}">
-              <a14:hiddenFill xmlns:a14="http://schemas.microsoft.com/office/drawing/2010/main" xmlns="">
+              <a14:hiddenFill xmlns="" xmlns:a14="http://schemas.microsoft.com/office/drawing/2010/main">
                 <a:solidFill>
                   <a:schemeClr val="accent1"/>
                 </a:solidFill>
               </a14:hiddenFill>
             </a:ext>
             <a:ext uri="{91240B29-F687-4f45-9708-019B960494DF}">
-              <a14:hiddenLine xmlns:a14="http://schemas.microsoft.com/office/drawing/2010/main" xmlns="" w="9525">
+              <a14:hiddenLine xmlns="" xmlns:a14="http://schemas.microsoft.com/office/drawing/2010/main" w="9525">
                 <a:solidFill>
                   <a:schemeClr val="tx1"/>
                 </a:solidFill>
@@ -2216,7 +2216,7 @@
               </a14:hiddenLine>
             </a:ext>
             <a:ext uri="{AF507438-7753-43e0-B8FC-AC1667EBCBE1}">
-              <a14:hiddenEffects xmlns:a14="http://schemas.microsoft.com/office/drawing/2010/main" xmlns="">
+              <a14:hiddenEffects xmlns="" xmlns:a14="http://schemas.microsoft.com/office/drawing/2010/main">
                 <a:effectLst>
                   <a:outerShdw blurRad="63500" dist="38099" dir="2700000" algn="ctr" rotWithShape="0">
                     <a:schemeClr val="bg2">
@@ -2240,10 +2240,10 @@
             </a:lvl1pPr>
           </a:lstStyle>
           <a:p>
-            <a:fld id="{1538CC4A-D1AD-4EC8-AB8A-BDF7A6F710A9}" type="datetime1">
-              <a:rPr lang="en-US" smtClean="0"/>
-              <a:t>5/26/2020</a:t>
-            </a:fld>
+            <a:r>
+              <a:rPr lang="en-US"/>
+              <a:t>17.6.2020</a:t>
+            </a:r>
             <a:endParaRPr lang="en-US" dirty="0"/>
           </a:p>
         </p:txBody>
@@ -2273,17 +2273,17 @@
           <a:effectLst/>
           <a:extLst>
             <a:ext uri="{FAA26D3D-D897-4be2-8F04-BA451C77F1D7}">
-              <ma14:placeholderFlag xmlns="" xmlns:ma14="http://schemas.microsoft.com/office/mac/drawingml/2011/main" val="1"/>
+              <ma14:placeholderFlag xmlns:ma14="http://schemas.microsoft.com/office/mac/drawingml/2011/main" xmlns="" val="1"/>
             </a:ext>
             <a:ext uri="{909E8E84-426E-40dd-AFC4-6F175D3DCCD1}">
-              <a14:hiddenFill xmlns:a14="http://schemas.microsoft.com/office/drawing/2010/main" xmlns="">
+              <a14:hiddenFill xmlns="" xmlns:a14="http://schemas.microsoft.com/office/drawing/2010/main">
                 <a:solidFill>
                   <a:schemeClr val="accent1"/>
                 </a:solidFill>
               </a14:hiddenFill>
             </a:ext>
             <a:ext uri="{91240B29-F687-4f45-9708-019B960494DF}">
-              <a14:hiddenLine xmlns:a14="http://schemas.microsoft.com/office/drawing/2010/main" xmlns="" w="9525">
+              <a14:hiddenLine xmlns="" xmlns:a14="http://schemas.microsoft.com/office/drawing/2010/main" w="9525">
                 <a:solidFill>
                   <a:schemeClr val="tx1"/>
                 </a:solidFill>
@@ -2293,7 +2293,7 @@
               </a14:hiddenLine>
             </a:ext>
             <a:ext uri="{AF507438-7753-43e0-B8FC-AC1667EBCBE1}">
-              <a14:hiddenEffects xmlns:a14="http://schemas.microsoft.com/office/drawing/2010/main" xmlns="">
+              <a14:hiddenEffects xmlns="" xmlns:a14="http://schemas.microsoft.com/office/drawing/2010/main">
                 <a:effectLst>
                   <a:outerShdw blurRad="63500" dist="38099" dir="2700000" algn="ctr" rotWithShape="0">
                     <a:schemeClr val="bg2">
@@ -2350,17 +2350,17 @@
           <a:effectLst/>
           <a:extLst>
             <a:ext uri="{FAA26D3D-D897-4be2-8F04-BA451C77F1D7}">
-              <ma14:placeholderFlag xmlns="" xmlns:ma14="http://schemas.microsoft.com/office/mac/drawingml/2011/main" val="1"/>
+              <ma14:placeholderFlag xmlns:ma14="http://schemas.microsoft.com/office/mac/drawingml/2011/main" xmlns="" val="1"/>
             </a:ext>
             <a:ext uri="{909E8E84-426E-40dd-AFC4-6F175D3DCCD1}">
-              <a14:hiddenFill xmlns:a14="http://schemas.microsoft.com/office/drawing/2010/main" xmlns="">
+              <a14:hiddenFill xmlns="" xmlns:a14="http://schemas.microsoft.com/office/drawing/2010/main">
                 <a:solidFill>
                   <a:schemeClr val="accent1"/>
                 </a:solidFill>
               </a14:hiddenFill>
             </a:ext>
             <a:ext uri="{91240B29-F687-4f45-9708-019B960494DF}">
-              <a14:hiddenLine xmlns:a14="http://schemas.microsoft.com/office/drawing/2010/main" xmlns="" w="9525">
+              <a14:hiddenLine xmlns="" xmlns:a14="http://schemas.microsoft.com/office/drawing/2010/main" w="9525">
                 <a:solidFill>
                   <a:schemeClr val="tx1"/>
                 </a:solidFill>
@@ -2370,7 +2370,7 @@
               </a14:hiddenLine>
             </a:ext>
             <a:ext uri="{AF507438-7753-43e0-B8FC-AC1667EBCBE1}">
-              <a14:hiddenEffects xmlns:a14="http://schemas.microsoft.com/office/drawing/2010/main" xmlns="">
+              <a14:hiddenEffects xmlns="" xmlns:a14="http://schemas.microsoft.com/office/drawing/2010/main">
                 <a:effectLst>
                   <a:outerShdw blurRad="63500" dist="38099" dir="2700000" algn="ctr" rotWithShape="0">
                     <a:schemeClr val="bg2">
@@ -2435,12 +2435,12 @@
           <a:effectLst/>
           <a:extLst>
             <a:ext uri="{909E8E84-426E-40dd-AFC4-6F175D3DCCD1}">
-              <a14:hiddenFill xmlns:a14="http://schemas.microsoft.com/office/drawing/2010/main" xmlns="">
+              <a14:hiddenFill xmlns="" xmlns:a14="http://schemas.microsoft.com/office/drawing/2010/main">
                 <a:noFill/>
               </a14:hiddenFill>
             </a:ext>
             <a:ext uri="{AF507438-7753-43e0-B8FC-AC1667EBCBE1}">
-              <a14:hiddenEffects xmlns:a14="http://schemas.microsoft.com/office/drawing/2010/main" xmlns="">
+              <a14:hiddenEffects xmlns="" xmlns:a14="http://schemas.microsoft.com/office/drawing/2010/main">
                 <a:effectLst>
                   <a:outerShdw blurRad="63500" dist="38099" dir="2700000" algn="ctr" rotWithShape="0">
                     <a:schemeClr val="bg2">
@@ -2483,14 +2483,14 @@
           <a:effectLst/>
           <a:extLst>
             <a:ext uri="{909E8E84-426E-40dd-AFC4-6F175D3DCCD1}">
-              <a14:hiddenFill xmlns:a14="http://schemas.microsoft.com/office/drawing/2010/main" xmlns="">
+              <a14:hiddenFill xmlns="" xmlns:a14="http://schemas.microsoft.com/office/drawing/2010/main">
                 <a:solidFill>
                   <a:schemeClr val="accent1"/>
                 </a:solidFill>
               </a14:hiddenFill>
             </a:ext>
             <a:ext uri="{91240B29-F687-4f45-9708-019B960494DF}">
-              <a14:hiddenLine xmlns:a14="http://schemas.microsoft.com/office/drawing/2010/main" xmlns="" w="9525">
+              <a14:hiddenLine xmlns="" xmlns:a14="http://schemas.microsoft.com/office/drawing/2010/main" w="9525">
                 <a:solidFill>
                   <a:schemeClr val="tx1"/>
                 </a:solidFill>
@@ -2500,7 +2500,7 @@
               </a14:hiddenLine>
             </a:ext>
             <a:ext uri="{AF507438-7753-43e0-B8FC-AC1667EBCBE1}">
-              <a14:hiddenEffects xmlns:a14="http://schemas.microsoft.com/office/drawing/2010/main" xmlns="">
+              <a14:hiddenEffects xmlns="" xmlns:a14="http://schemas.microsoft.com/office/drawing/2010/main">
                 <a:effectLst>
                   <a:outerShdw blurRad="63500" dist="38099" dir="2700000" algn="ctr" rotWithShape="0">
                     <a:schemeClr val="bg2">
@@ -3137,10 +3137,10 @@
           <a:bodyPr/>
           <a:lstStyle/>
           <a:p>
-            <a:fld id="{2D0CE2BB-C024-4653-9EF9-C329275CEC5E}" type="datetime1">
-              <a:rPr lang="en-US" smtClean="0"/>
-              <a:t>5/26/2020</a:t>
-            </a:fld>
+            <a:r>
+              <a:rPr lang="en-US"/>
+              <a:t>17.6.2020</a:t>
+            </a:r>
             <a:endParaRPr lang="en-US" dirty="0"/>
           </a:p>
         </p:txBody>
@@ -3246,10 +3246,10 @@
           <a:bodyPr/>
           <a:lstStyle/>
           <a:p>
-            <a:fld id="{400D967C-9D53-4325-BEDA-96A763646039}" type="datetime1">
-              <a:rPr lang="en-US" smtClean="0"/>
-              <a:t>5/26/2020</a:t>
-            </a:fld>
+            <a:r>
+              <a:rPr lang="en-US"/>
+              <a:t>17.6.2020</a:t>
+            </a:r>
             <a:endParaRPr lang="en-US" dirty="0"/>
           </a:p>
         </p:txBody>
@@ -3458,10 +3458,10 @@
           <a:bodyPr/>
           <a:lstStyle/>
           <a:p>
-            <a:fld id="{13CA0A3C-82A8-4CD9-8BAF-272B2DF59F7E}" type="datetime1">
-              <a:rPr lang="en-US" smtClean="0"/>
-              <a:t>5/26/2020</a:t>
-            </a:fld>
+            <a:r>
+              <a:rPr lang="en-US"/>
+              <a:t>17.6.2020</a:t>
+            </a:r>
             <a:endParaRPr lang="en-US" dirty="0"/>
           </a:p>
         </p:txBody>
@@ -3685,10 +3685,10 @@
           <a:bodyPr/>
           <a:lstStyle/>
           <a:p>
-            <a:fld id="{8D95C793-BA89-4835-B484-CEEC2B4BE083}" type="datetime1">
-              <a:rPr lang="en-US" smtClean="0"/>
-              <a:t>5/26/2020</a:t>
-            </a:fld>
+            <a:r>
+              <a:rPr lang="en-US"/>
+              <a:t>17.6.2020</a:t>
+            </a:r>
             <a:endParaRPr lang="en-US" dirty="0"/>
           </a:p>
         </p:txBody>
@@ -4480,7 +4480,7 @@
         <a:effectLst/>
         <a:extLst>
           <a:ext uri="{AF507438-7753-43e0-B8FC-AC1667EBCBE1}">
-            <a14:hiddenEffects xmlns:a14="http://schemas.microsoft.com/office/drawing/2010/main" xmlns="">
+            <a14:hiddenEffects xmlns="" xmlns:a14="http://schemas.microsoft.com/office/drawing/2010/main">
               <a:effectLst>
                 <a:outerShdw blurRad="63500" dist="35921" dir="2700000" algn="ctr" rotWithShape="0">
                   <a:schemeClr val="bg2"/>
@@ -4555,7 +4555,7 @@
         <a:effectLst/>
         <a:extLst>
           <a:ext uri="{AF507438-7753-43e0-B8FC-AC1667EBCBE1}">
-            <a14:hiddenEffects xmlns:a14="http://schemas.microsoft.com/office/drawing/2010/main" xmlns="">
+            <a14:hiddenEffects xmlns="" xmlns:a14="http://schemas.microsoft.com/office/drawing/2010/main">
               <a:effectLst>
                 <a:outerShdw blurRad="63500" dist="35921" dir="2700000" algn="ctr" rotWithShape="0">
                   <a:schemeClr val="bg2"/>
